--- a/docs/sec12.pptx
+++ b/docs/sec12.pptx
@@ -199,7 +199,7 @@
           <a:p>
             <a:fld id="{8269E550-37B9-49D3-A220-FC1218D7E63B}" type="datetimeFigureOut">
               <a:rPr lang="zh-CN" altLang="en-US" smtClean="0"/>
-              <a:t>2021/10/4</a:t>
+              <a:t>2021/10/6</a:t>
             </a:fld>
             <a:endParaRPr lang="zh-CN" altLang="en-US"/>
           </a:p>
@@ -697,7 +697,7 @@
           <a:p>
             <a:fld id="{2F5F644D-ECA5-464D-AEAC-EEF40AA9168C}" type="datetimeFigureOut">
               <a:rPr lang="zh-CN" altLang="en-US" smtClean="0"/>
-              <a:t>2021/10/4</a:t>
+              <a:t>2021/10/6</a:t>
             </a:fld>
             <a:endParaRPr lang="zh-CN" altLang="en-US"/>
           </a:p>
@@ -925,7 +925,7 @@
           <a:p>
             <a:fld id="{2F5F644D-ECA5-464D-AEAC-EEF40AA9168C}" type="datetimeFigureOut">
               <a:rPr lang="zh-CN" altLang="en-US" smtClean="0"/>
-              <a:t>2021/10/4</a:t>
+              <a:t>2021/10/6</a:t>
             </a:fld>
             <a:endParaRPr lang="zh-CN" altLang="en-US"/>
           </a:p>
@@ -1133,7 +1133,7 @@
           <a:p>
             <a:fld id="{2F5F644D-ECA5-464D-AEAC-EEF40AA9168C}" type="datetimeFigureOut">
               <a:rPr lang="zh-CN" altLang="en-US" smtClean="0"/>
-              <a:t>2021/10/4</a:t>
+              <a:t>2021/10/6</a:t>
             </a:fld>
             <a:endParaRPr lang="zh-CN" altLang="en-US"/>
           </a:p>
@@ -1331,7 +1331,7 @@
           <a:p>
             <a:fld id="{2F5F644D-ECA5-464D-AEAC-EEF40AA9168C}" type="datetimeFigureOut">
               <a:rPr lang="zh-CN" altLang="en-US" smtClean="0"/>
-              <a:t>2021/10/4</a:t>
+              <a:t>2021/10/6</a:t>
             </a:fld>
             <a:endParaRPr lang="zh-CN" altLang="en-US"/>
           </a:p>
@@ -1636,7 +1636,7 @@
           <a:p>
             <a:fld id="{2F5F644D-ECA5-464D-AEAC-EEF40AA9168C}" type="datetimeFigureOut">
               <a:rPr lang="zh-CN" altLang="en-US" smtClean="0"/>
-              <a:t>2021/10/4</a:t>
+              <a:t>2021/10/6</a:t>
             </a:fld>
             <a:endParaRPr lang="zh-CN" altLang="en-US"/>
           </a:p>
@@ -1901,7 +1901,7 @@
           <a:p>
             <a:fld id="{2F5F644D-ECA5-464D-AEAC-EEF40AA9168C}" type="datetimeFigureOut">
               <a:rPr lang="zh-CN" altLang="en-US" smtClean="0"/>
-              <a:t>2021/10/4</a:t>
+              <a:t>2021/10/6</a:t>
             </a:fld>
             <a:endParaRPr lang="zh-CN" altLang="en-US"/>
           </a:p>
@@ -2313,7 +2313,7 @@
           <a:p>
             <a:fld id="{2F5F644D-ECA5-464D-AEAC-EEF40AA9168C}" type="datetimeFigureOut">
               <a:rPr lang="zh-CN" altLang="en-US" smtClean="0"/>
-              <a:t>2021/10/4</a:t>
+              <a:t>2021/10/6</a:t>
             </a:fld>
             <a:endParaRPr lang="zh-CN" altLang="en-US"/>
           </a:p>
@@ -2454,7 +2454,7 @@
           <a:p>
             <a:fld id="{2F5F644D-ECA5-464D-AEAC-EEF40AA9168C}" type="datetimeFigureOut">
               <a:rPr lang="zh-CN" altLang="en-US" smtClean="0"/>
-              <a:t>2021/10/4</a:t>
+              <a:t>2021/10/6</a:t>
             </a:fld>
             <a:endParaRPr lang="zh-CN" altLang="en-US"/>
           </a:p>
@@ -2567,7 +2567,7 @@
           <a:p>
             <a:fld id="{2F5F644D-ECA5-464D-AEAC-EEF40AA9168C}" type="datetimeFigureOut">
               <a:rPr lang="zh-CN" altLang="en-US" smtClean="0"/>
-              <a:t>2021/10/4</a:t>
+              <a:t>2021/10/6</a:t>
             </a:fld>
             <a:endParaRPr lang="zh-CN" altLang="en-US"/>
           </a:p>
@@ -2878,7 +2878,7 @@
           <a:p>
             <a:fld id="{2F5F644D-ECA5-464D-AEAC-EEF40AA9168C}" type="datetimeFigureOut">
               <a:rPr lang="zh-CN" altLang="en-US" smtClean="0"/>
-              <a:t>2021/10/4</a:t>
+              <a:t>2021/10/6</a:t>
             </a:fld>
             <a:endParaRPr lang="zh-CN" altLang="en-US"/>
           </a:p>
@@ -3166,7 +3166,7 @@
           <a:p>
             <a:fld id="{2F5F644D-ECA5-464D-AEAC-EEF40AA9168C}" type="datetimeFigureOut">
               <a:rPr lang="zh-CN" altLang="en-US" smtClean="0"/>
-              <a:t>2021/10/4</a:t>
+              <a:t>2021/10/6</a:t>
             </a:fld>
             <a:endParaRPr lang="zh-CN" altLang="en-US"/>
           </a:p>
@@ -3407,7 +3407,7 @@
           <a:p>
             <a:fld id="{2F5F644D-ECA5-464D-AEAC-EEF40AA9168C}" type="datetimeFigureOut">
               <a:rPr lang="zh-CN" altLang="en-US" smtClean="0"/>
-              <a:t>2021/10/4</a:t>
+              <a:t>2021/10/6</a:t>
             </a:fld>
             <a:endParaRPr lang="zh-CN" altLang="en-US"/>
           </a:p>
@@ -4129,6 +4129,54 @@
             </a:endParaRPr>
           </a:p>
           <a:p>
+            <a:r>
+              <a:rPr lang="en-US" altLang="zh-CN" dirty="0" err="1">
+                <a:latin typeface="阿里巴巴普惠体" panose="00020600040101010101" pitchFamily="18" charset="-122"/>
+                <a:ea typeface="阿里巴巴普惠体" panose="00020600040101010101" pitchFamily="18" charset="-122"/>
+                <a:cs typeface="阿里巴巴普惠体" panose="00020600040101010101" pitchFamily="18" charset="-122"/>
+              </a:rPr>
+              <a:t>GeekStore</a:t>
+            </a:r>
+            <a:r>
+              <a:rPr lang="en-US" altLang="zh-CN" dirty="0">
+                <a:latin typeface="阿里巴巴普惠体" panose="00020600040101010101" pitchFamily="18" charset="-122"/>
+                <a:ea typeface="阿里巴巴普惠体" panose="00020600040101010101" pitchFamily="18" charset="-122"/>
+                <a:cs typeface="阿里巴巴普惠体" panose="00020600040101010101" pitchFamily="18" charset="-122"/>
+              </a:rPr>
+              <a:t> </a:t>
+            </a:r>
+            <a:r>
+              <a:rPr lang="en-US" altLang="zh-CN" dirty="0" err="1">
+                <a:latin typeface="阿里巴巴普惠体" panose="00020600040101010101" pitchFamily="18" charset="-122"/>
+                <a:ea typeface="阿里巴巴普惠体" panose="00020600040101010101" pitchFamily="18" charset="-122"/>
+                <a:cs typeface="阿里巴巴普惠体" panose="00020600040101010101" pitchFamily="18" charset="-122"/>
+              </a:rPr>
+              <a:t>ApiClient</a:t>
+            </a:r>
+            <a:endParaRPr lang="en-US" altLang="zh-CN" dirty="0">
+              <a:latin typeface="阿里巴巴普惠体" panose="00020600040101010101" pitchFamily="18" charset="-122"/>
+              <a:ea typeface="阿里巴巴普惠体" panose="00020600040101010101" pitchFamily="18" charset="-122"/>
+              <a:cs typeface="阿里巴巴普惠体" panose="00020600040101010101" pitchFamily="18" charset="-122"/>
+            </a:endParaRPr>
+          </a:p>
+          <a:p>
+            <a:pPr lvl="1"/>
+            <a:r>
+              <a:rPr lang="en-US" altLang="zh-CN" dirty="0">
+                <a:latin typeface="阿里巴巴普惠体" panose="00020600040101010101" pitchFamily="18" charset="-122"/>
+                <a:ea typeface="阿里巴巴普惠体" panose="00020600040101010101" pitchFamily="18" charset="-122"/>
+                <a:cs typeface="阿里巴巴普惠体" panose="00020600040101010101" pitchFamily="18" charset="-122"/>
+                <a:hlinkClick r:id="rId4"/>
+              </a:rPr>
+              <a:t>https://github.com/spring2go/geekstore/blob/main/src/test/java/io/geekstore/ApiClient.java</a:t>
+            </a:r>
+            <a:endParaRPr lang="en-US" altLang="zh-CN" dirty="0">
+              <a:latin typeface="阿里巴巴普惠体" panose="00020600040101010101" pitchFamily="18" charset="-122"/>
+              <a:ea typeface="阿里巴巴普惠体" panose="00020600040101010101" pitchFamily="18" charset="-122"/>
+              <a:cs typeface="阿里巴巴普惠体" panose="00020600040101010101" pitchFamily="18" charset="-122"/>
+            </a:endParaRPr>
+          </a:p>
+          <a:p>
             <a:pPr lvl="1"/>
             <a:endParaRPr lang="en-US" altLang="zh-CN" dirty="0">
               <a:latin typeface="阿里巴巴普惠体" panose="00020600040101010101" pitchFamily="18" charset="-122"/>
@@ -4192,7 +4240,7 @@
         </p:spPr>
         <p:txBody>
           <a:bodyPr>
-            <a:normAutofit/>
+            <a:normAutofit fontScale="90000"/>
           </a:bodyPr>
           <a:lstStyle/>
           <a:p>
@@ -4237,6 +4285,22 @@
                 <a:cs typeface="阿里巴巴普惠体 Medium" panose="00020600040101010101" pitchFamily="18" charset="-122"/>
               </a:rPr>
               <a:t>DataFetchingEnvironment</a:t>
+            </a:r>
+            <a:r>
+              <a:rPr lang="en-US" altLang="zh-CN" dirty="0">
+                <a:latin typeface="阿里巴巴普惠体 Medium" panose="00020600040101010101" pitchFamily="18" charset="-122"/>
+                <a:ea typeface="阿里巴巴普惠体 Medium" panose="00020600040101010101" pitchFamily="18" charset="-122"/>
+                <a:cs typeface="阿里巴巴普惠体 Medium" panose="00020600040101010101" pitchFamily="18" charset="-122"/>
+              </a:rPr>
+              <a:t> + </a:t>
+            </a:r>
+            <a:r>
+              <a:rPr lang="en-US" altLang="zh-CN">
+                <a:latin typeface="阿里巴巴普惠体 Medium" panose="00020600040101010101" pitchFamily="18" charset="-122"/>
+                <a:ea typeface="阿里巴巴普惠体 Medium" panose="00020600040101010101" pitchFamily="18" charset="-122"/>
+                <a:cs typeface="阿里巴巴普惠体 Medium" panose="00020600040101010101" pitchFamily="18" charset="-122"/>
+              </a:rPr>
+              <a:t>SelectionSet</a:t>
             </a:r>
             <a:endParaRPr lang="zh-CN" altLang="en-US" sz="6600" dirty="0">
               <a:latin typeface="阿里巴巴普惠体 Medium" panose="00020600040101010101" pitchFamily="18" charset="-122"/>
